--- a/redac/slides_ast_cfg_colored.pptx
+++ b/redac/slides_ast_cfg_colored.pptx
@@ -5,13 +5,13 @@
     <p:sldMasterId id="2147483648" r:id="rId1"/>
   </p:sldMasterIdLst>
   <p:sldIdLst>
-    <p:sldId id="256" r:id="rId7"/>
-    <p:sldId id="257" r:id="rId8"/>
-    <p:sldId id="258" r:id="rId9"/>
-    <p:sldId id="259" r:id="rId10"/>
-    <p:sldId id="260" r:id="rId11"/>
-    <p:sldId id="261" r:id="rId12"/>
-    <p:sldId id="262" r:id="rId13"/>
+    <p:sldId id="256" r:id="rId2"/>
+    <p:sldId id="257" r:id="rId3"/>
+    <p:sldId id="258" r:id="rId4"/>
+    <p:sldId id="259" r:id="rId5"/>
+    <p:sldId id="260" r:id="rId6"/>
+    <p:sldId id="261" r:id="rId7"/>
+    <p:sldId id="262" r:id="rId8"/>
   </p:sldIdLst>
   <p:sldSz cx="9144000" cy="6858000" type="screen4x3"/>
   <p:notesSz cx="6858000" cy="9144000"/>
@@ -110,6 +110,22 @@
       </a:defRPr>
     </a:lvl9pPr>
   </p:defaultTextStyle>
+  <p:extLst>
+    <p:ext uri="{EFAFB233-063F-42B5-8137-9DF3F51BA10A}">
+      <p15:sldGuideLst xmlns:p15="http://schemas.microsoft.com/office/powerpoint/2012/main">
+        <p15:guide id="1" orient="horz" pos="2160">
+          <p15:clr>
+            <a:srgbClr val="A4A3A4"/>
+          </p15:clr>
+        </p15:guide>
+        <p15:guide id="2" pos="2880">
+          <p15:clr>
+            <a:srgbClr val="A4A3A4"/>
+          </p15:clr>
+        </p15:guide>
+      </p15:sldGuideLst>
+    </p:ext>
+  </p:extLst>
 </p:presentation>
 </file>
 
@@ -151,10 +167,9 @@
           <a:lstStyle/>
           <a:p>
             <a:r>
-              <a:rPr lang="en-US" smtClean="0"/>
+              <a:rPr lang="en-US"/>
               <a:t>Click to edit Master title style</a:t>
             </a:r>
-            <a:endParaRPr lang="en-US"/>
           </a:p>
         </p:txBody>
       </p:sp>
@@ -270,10 +285,9 @@
           </a:lstStyle>
           <a:p>
             <a:r>
-              <a:rPr lang="en-US" smtClean="0"/>
+              <a:rPr lang="en-US"/>
               <a:t>Click to edit Master subtitle style</a:t>
             </a:r>
-            <a:endParaRPr lang="en-US"/>
           </a:p>
         </p:txBody>
       </p:sp>
@@ -294,7 +308,7 @@
           <a:p>
             <a:fld id="{5BCAD085-E8A6-8845-BD4E-CB4CCA059FC4}" type="datetimeFigureOut">
               <a:rPr lang="en-US" smtClean="0"/>
-              <a:t>1/27/13</a:t>
+              <a:t>8/30/2025</a:t>
             </a:fld>
             <a:endParaRPr lang="en-US"/>
           </a:p>
@@ -336,7 +350,7 @@
           <a:p>
             <a:fld id="{C1FF6DA9-008F-8B48-92A6-B652298478BF}" type="slidenum">
               <a:rPr lang="en-US" smtClean="0"/>
-              <a:t>‹#›</a:t>
+              <a:t>‹N°›</a:t>
             </a:fld>
             <a:endParaRPr lang="en-US"/>
           </a:p>
@@ -388,10 +402,9 @@
           <a:lstStyle/>
           <a:p>
             <a:r>
-              <a:rPr lang="en-US" smtClean="0"/>
+              <a:rPr lang="en-US"/>
               <a:t>Click to edit Master title style</a:t>
             </a:r>
-            <a:endParaRPr lang="en-US"/>
           </a:p>
         </p:txBody>
       </p:sp>
@@ -412,38 +425,37 @@
           <a:p>
             <a:pPr lvl="0"/>
             <a:r>
-              <a:rPr lang="en-US" smtClean="0"/>
+              <a:rPr lang="en-US"/>
               <a:t>Click to edit Master text styles</a:t>
             </a:r>
           </a:p>
           <a:p>
             <a:pPr lvl="1"/>
             <a:r>
-              <a:rPr lang="en-US" smtClean="0"/>
+              <a:rPr lang="en-US"/>
               <a:t>Second level</a:t>
             </a:r>
           </a:p>
           <a:p>
             <a:pPr lvl="2"/>
             <a:r>
-              <a:rPr lang="en-US" smtClean="0"/>
+              <a:rPr lang="en-US"/>
               <a:t>Third level</a:t>
             </a:r>
           </a:p>
           <a:p>
             <a:pPr lvl="3"/>
             <a:r>
-              <a:rPr lang="en-US" smtClean="0"/>
+              <a:rPr lang="en-US"/>
               <a:t>Fourth level</a:t>
             </a:r>
           </a:p>
           <a:p>
             <a:pPr lvl="4"/>
             <a:r>
-              <a:rPr lang="en-US" smtClean="0"/>
+              <a:rPr lang="en-US"/>
               <a:t>Fifth level</a:t>
             </a:r>
-            <a:endParaRPr lang="en-US"/>
           </a:p>
         </p:txBody>
       </p:sp>
@@ -464,7 +476,7 @@
           <a:p>
             <a:fld id="{5BCAD085-E8A6-8845-BD4E-CB4CCA059FC4}" type="datetimeFigureOut">
               <a:rPr lang="en-US" smtClean="0"/>
-              <a:t>1/27/13</a:t>
+              <a:t>8/30/2025</a:t>
             </a:fld>
             <a:endParaRPr lang="en-US"/>
           </a:p>
@@ -506,7 +518,7 @@
           <a:p>
             <a:fld id="{C1FF6DA9-008F-8B48-92A6-B652298478BF}" type="slidenum">
               <a:rPr lang="en-US" smtClean="0"/>
-              <a:t>‹#›</a:t>
+              <a:t>‹N°›</a:t>
             </a:fld>
             <a:endParaRPr lang="en-US"/>
           </a:p>
@@ -563,10 +575,9 @@
           <a:lstStyle/>
           <a:p>
             <a:r>
-              <a:rPr lang="en-US" smtClean="0"/>
+              <a:rPr lang="en-US"/>
               <a:t>Click to edit Master title style</a:t>
             </a:r>
-            <a:endParaRPr lang="en-US"/>
           </a:p>
         </p:txBody>
       </p:sp>
@@ -592,38 +603,37 @@
           <a:p>
             <a:pPr lvl="0"/>
             <a:r>
-              <a:rPr lang="en-US" smtClean="0"/>
+              <a:rPr lang="en-US"/>
               <a:t>Click to edit Master text styles</a:t>
             </a:r>
           </a:p>
           <a:p>
             <a:pPr lvl="1"/>
             <a:r>
-              <a:rPr lang="en-US" smtClean="0"/>
+              <a:rPr lang="en-US"/>
               <a:t>Second level</a:t>
             </a:r>
           </a:p>
           <a:p>
             <a:pPr lvl="2"/>
             <a:r>
-              <a:rPr lang="en-US" smtClean="0"/>
+              <a:rPr lang="en-US"/>
               <a:t>Third level</a:t>
             </a:r>
           </a:p>
           <a:p>
             <a:pPr lvl="3"/>
             <a:r>
-              <a:rPr lang="en-US" smtClean="0"/>
+              <a:rPr lang="en-US"/>
               <a:t>Fourth level</a:t>
             </a:r>
           </a:p>
           <a:p>
             <a:pPr lvl="4"/>
             <a:r>
-              <a:rPr lang="en-US" smtClean="0"/>
+              <a:rPr lang="en-US"/>
               <a:t>Fifth level</a:t>
             </a:r>
-            <a:endParaRPr lang="en-US"/>
           </a:p>
         </p:txBody>
       </p:sp>
@@ -644,7 +654,7 @@
           <a:p>
             <a:fld id="{5BCAD085-E8A6-8845-BD4E-CB4CCA059FC4}" type="datetimeFigureOut">
               <a:rPr lang="en-US" smtClean="0"/>
-              <a:t>1/27/13</a:t>
+              <a:t>8/30/2025</a:t>
             </a:fld>
             <a:endParaRPr lang="en-US"/>
           </a:p>
@@ -686,7 +696,7 @@
           <a:p>
             <a:fld id="{C1FF6DA9-008F-8B48-92A6-B652298478BF}" type="slidenum">
               <a:rPr lang="en-US" smtClean="0"/>
-              <a:t>‹#›</a:t>
+              <a:t>‹N°›</a:t>
             </a:fld>
             <a:endParaRPr lang="en-US"/>
           </a:p>
@@ -738,10 +748,9 @@
           <a:lstStyle/>
           <a:p>
             <a:r>
-              <a:rPr lang="en-US" smtClean="0"/>
+              <a:rPr lang="en-US"/>
               <a:t>Click to edit Master title style</a:t>
             </a:r>
-            <a:endParaRPr lang="en-US"/>
           </a:p>
         </p:txBody>
       </p:sp>
@@ -762,38 +771,37 @@
           <a:p>
             <a:pPr lvl="0"/>
             <a:r>
-              <a:rPr lang="en-US" smtClean="0"/>
+              <a:rPr lang="en-US"/>
               <a:t>Click to edit Master text styles</a:t>
             </a:r>
           </a:p>
           <a:p>
             <a:pPr lvl="1"/>
             <a:r>
-              <a:rPr lang="en-US" smtClean="0"/>
+              <a:rPr lang="en-US"/>
               <a:t>Second level</a:t>
             </a:r>
           </a:p>
           <a:p>
             <a:pPr lvl="2"/>
             <a:r>
-              <a:rPr lang="en-US" smtClean="0"/>
+              <a:rPr lang="en-US"/>
               <a:t>Third level</a:t>
             </a:r>
           </a:p>
           <a:p>
             <a:pPr lvl="3"/>
             <a:r>
-              <a:rPr lang="en-US" smtClean="0"/>
+              <a:rPr lang="en-US"/>
               <a:t>Fourth level</a:t>
             </a:r>
           </a:p>
           <a:p>
             <a:pPr lvl="4"/>
             <a:r>
-              <a:rPr lang="en-US" smtClean="0"/>
+              <a:rPr lang="en-US"/>
               <a:t>Fifth level</a:t>
             </a:r>
-            <a:endParaRPr lang="en-US"/>
           </a:p>
         </p:txBody>
       </p:sp>
@@ -814,7 +822,7 @@
           <a:p>
             <a:fld id="{5BCAD085-E8A6-8845-BD4E-CB4CCA059FC4}" type="datetimeFigureOut">
               <a:rPr lang="en-US" smtClean="0"/>
-              <a:t>1/27/13</a:t>
+              <a:t>8/30/2025</a:t>
             </a:fld>
             <a:endParaRPr lang="en-US"/>
           </a:p>
@@ -856,7 +864,7 @@
           <a:p>
             <a:fld id="{C1FF6DA9-008F-8B48-92A6-B652298478BF}" type="slidenum">
               <a:rPr lang="en-US" smtClean="0"/>
-              <a:t>‹#›</a:t>
+              <a:t>‹N°›</a:t>
             </a:fld>
             <a:endParaRPr lang="en-US"/>
           </a:p>
@@ -917,10 +925,9 @@
           </a:lstStyle>
           <a:p>
             <a:r>
-              <a:rPr lang="en-US" smtClean="0"/>
+              <a:rPr lang="en-US"/>
               <a:t>Click to edit Master title style</a:t>
             </a:r>
-            <a:endParaRPr lang="en-US"/>
           </a:p>
         </p:txBody>
       </p:sp>
@@ -1037,7 +1044,7 @@
           <a:p>
             <a:pPr lvl="0"/>
             <a:r>
-              <a:rPr lang="en-US" smtClean="0"/>
+              <a:rPr lang="en-US"/>
               <a:t>Click to edit Master text styles</a:t>
             </a:r>
           </a:p>
@@ -1060,7 +1067,7 @@
           <a:p>
             <a:fld id="{5BCAD085-E8A6-8845-BD4E-CB4CCA059FC4}" type="datetimeFigureOut">
               <a:rPr lang="en-US" smtClean="0"/>
-              <a:t>1/27/13</a:t>
+              <a:t>8/30/2025</a:t>
             </a:fld>
             <a:endParaRPr lang="en-US"/>
           </a:p>
@@ -1102,7 +1109,7 @@
           <a:p>
             <a:fld id="{C1FF6DA9-008F-8B48-92A6-B652298478BF}" type="slidenum">
               <a:rPr lang="en-US" smtClean="0"/>
-              <a:t>‹#›</a:t>
+              <a:t>‹N°›</a:t>
             </a:fld>
             <a:endParaRPr lang="en-US"/>
           </a:p>
@@ -1154,10 +1161,9 @@
           <a:lstStyle/>
           <a:p>
             <a:r>
-              <a:rPr lang="en-US" smtClean="0"/>
+              <a:rPr lang="en-US"/>
               <a:t>Click to edit Master title style</a:t>
             </a:r>
-            <a:endParaRPr lang="en-US"/>
           </a:p>
         </p:txBody>
       </p:sp>
@@ -1211,38 +1217,37 @@
           <a:p>
             <a:pPr lvl="0"/>
             <a:r>
-              <a:rPr lang="en-US" smtClean="0"/>
+              <a:rPr lang="en-US"/>
               <a:t>Click to edit Master text styles</a:t>
             </a:r>
           </a:p>
           <a:p>
             <a:pPr lvl="1"/>
             <a:r>
-              <a:rPr lang="en-US" smtClean="0"/>
+              <a:rPr lang="en-US"/>
               <a:t>Second level</a:t>
             </a:r>
           </a:p>
           <a:p>
             <a:pPr lvl="2"/>
             <a:r>
-              <a:rPr lang="en-US" smtClean="0"/>
+              <a:rPr lang="en-US"/>
               <a:t>Third level</a:t>
             </a:r>
           </a:p>
           <a:p>
             <a:pPr lvl="3"/>
             <a:r>
-              <a:rPr lang="en-US" smtClean="0"/>
+              <a:rPr lang="en-US"/>
               <a:t>Fourth level</a:t>
             </a:r>
           </a:p>
           <a:p>
             <a:pPr lvl="4"/>
             <a:r>
-              <a:rPr lang="en-US" smtClean="0"/>
+              <a:rPr lang="en-US"/>
               <a:t>Fifth level</a:t>
             </a:r>
-            <a:endParaRPr lang="en-US"/>
           </a:p>
         </p:txBody>
       </p:sp>
@@ -1296,38 +1301,37 @@
           <a:p>
             <a:pPr lvl="0"/>
             <a:r>
-              <a:rPr lang="en-US" smtClean="0"/>
+              <a:rPr lang="en-US"/>
               <a:t>Click to edit Master text styles</a:t>
             </a:r>
           </a:p>
           <a:p>
             <a:pPr lvl="1"/>
             <a:r>
-              <a:rPr lang="en-US" smtClean="0"/>
+              <a:rPr lang="en-US"/>
               <a:t>Second level</a:t>
             </a:r>
           </a:p>
           <a:p>
             <a:pPr lvl="2"/>
             <a:r>
-              <a:rPr lang="en-US" smtClean="0"/>
+              <a:rPr lang="en-US"/>
               <a:t>Third level</a:t>
             </a:r>
           </a:p>
           <a:p>
             <a:pPr lvl="3"/>
             <a:r>
-              <a:rPr lang="en-US" smtClean="0"/>
+              <a:rPr lang="en-US"/>
               <a:t>Fourth level</a:t>
             </a:r>
           </a:p>
           <a:p>
             <a:pPr lvl="4"/>
             <a:r>
-              <a:rPr lang="en-US" smtClean="0"/>
+              <a:rPr lang="en-US"/>
               <a:t>Fifth level</a:t>
             </a:r>
-            <a:endParaRPr lang="en-US"/>
           </a:p>
         </p:txBody>
       </p:sp>
@@ -1348,7 +1352,7 @@
           <a:p>
             <a:fld id="{5BCAD085-E8A6-8845-BD4E-CB4CCA059FC4}" type="datetimeFigureOut">
               <a:rPr lang="en-US" smtClean="0"/>
-              <a:t>1/27/13</a:t>
+              <a:t>8/30/2025</a:t>
             </a:fld>
             <a:endParaRPr lang="en-US"/>
           </a:p>
@@ -1390,7 +1394,7 @@
           <a:p>
             <a:fld id="{C1FF6DA9-008F-8B48-92A6-B652298478BF}" type="slidenum">
               <a:rPr lang="en-US" smtClean="0"/>
-              <a:t>‹#›</a:t>
+              <a:t>‹N°›</a:t>
             </a:fld>
             <a:endParaRPr lang="en-US"/>
           </a:p>
@@ -1446,10 +1450,9 @@
           </a:lstStyle>
           <a:p>
             <a:r>
-              <a:rPr lang="en-US" smtClean="0"/>
+              <a:rPr lang="en-US"/>
               <a:t>Click to edit Master title style</a:t>
             </a:r>
-            <a:endParaRPr lang="en-US"/>
           </a:p>
         </p:txBody>
       </p:sp>
@@ -1512,7 +1515,7 @@
           <a:p>
             <a:pPr lvl="0"/>
             <a:r>
-              <a:rPr lang="en-US" smtClean="0"/>
+              <a:rPr lang="en-US"/>
               <a:t>Click to edit Master text styles</a:t>
             </a:r>
           </a:p>
@@ -1568,38 +1571,37 @@
           <a:p>
             <a:pPr lvl="0"/>
             <a:r>
-              <a:rPr lang="en-US" smtClean="0"/>
+              <a:rPr lang="en-US"/>
               <a:t>Click to edit Master text styles</a:t>
             </a:r>
           </a:p>
           <a:p>
             <a:pPr lvl="1"/>
             <a:r>
-              <a:rPr lang="en-US" smtClean="0"/>
+              <a:rPr lang="en-US"/>
               <a:t>Second level</a:t>
             </a:r>
           </a:p>
           <a:p>
             <a:pPr lvl="2"/>
             <a:r>
-              <a:rPr lang="en-US" smtClean="0"/>
+              <a:rPr lang="en-US"/>
               <a:t>Third level</a:t>
             </a:r>
           </a:p>
           <a:p>
             <a:pPr lvl="3"/>
             <a:r>
-              <a:rPr lang="en-US" smtClean="0"/>
+              <a:rPr lang="en-US"/>
               <a:t>Fourth level</a:t>
             </a:r>
           </a:p>
           <a:p>
             <a:pPr lvl="4"/>
             <a:r>
-              <a:rPr lang="en-US" smtClean="0"/>
+              <a:rPr lang="en-US"/>
               <a:t>Fifth level</a:t>
             </a:r>
-            <a:endParaRPr lang="en-US"/>
           </a:p>
         </p:txBody>
       </p:sp>
@@ -1662,7 +1664,7 @@
           <a:p>
             <a:pPr lvl="0"/>
             <a:r>
-              <a:rPr lang="en-US" smtClean="0"/>
+              <a:rPr lang="en-US"/>
               <a:t>Click to edit Master text styles</a:t>
             </a:r>
           </a:p>
@@ -1718,38 +1720,37 @@
           <a:p>
             <a:pPr lvl="0"/>
             <a:r>
-              <a:rPr lang="en-US" smtClean="0"/>
+              <a:rPr lang="en-US"/>
               <a:t>Click to edit Master text styles</a:t>
             </a:r>
           </a:p>
           <a:p>
             <a:pPr lvl="1"/>
             <a:r>
-              <a:rPr lang="en-US" smtClean="0"/>
+              <a:rPr lang="en-US"/>
               <a:t>Second level</a:t>
             </a:r>
           </a:p>
           <a:p>
             <a:pPr lvl="2"/>
             <a:r>
-              <a:rPr lang="en-US" smtClean="0"/>
+              <a:rPr lang="en-US"/>
               <a:t>Third level</a:t>
             </a:r>
           </a:p>
           <a:p>
             <a:pPr lvl="3"/>
             <a:r>
-              <a:rPr lang="en-US" smtClean="0"/>
+              <a:rPr lang="en-US"/>
               <a:t>Fourth level</a:t>
             </a:r>
           </a:p>
           <a:p>
             <a:pPr lvl="4"/>
             <a:r>
-              <a:rPr lang="en-US" smtClean="0"/>
+              <a:rPr lang="en-US"/>
               <a:t>Fifth level</a:t>
             </a:r>
-            <a:endParaRPr lang="en-US"/>
           </a:p>
         </p:txBody>
       </p:sp>
@@ -1770,7 +1771,7 @@
           <a:p>
             <a:fld id="{5BCAD085-E8A6-8845-BD4E-CB4CCA059FC4}" type="datetimeFigureOut">
               <a:rPr lang="en-US" smtClean="0"/>
-              <a:t>1/27/13</a:t>
+              <a:t>8/30/2025</a:t>
             </a:fld>
             <a:endParaRPr lang="en-US"/>
           </a:p>
@@ -1812,7 +1813,7 @@
           <a:p>
             <a:fld id="{C1FF6DA9-008F-8B48-92A6-B652298478BF}" type="slidenum">
               <a:rPr lang="en-US" smtClean="0"/>
-              <a:t>‹#›</a:t>
+              <a:t>‹N°›</a:t>
             </a:fld>
             <a:endParaRPr lang="en-US"/>
           </a:p>
@@ -1864,10 +1865,9 @@
           <a:lstStyle/>
           <a:p>
             <a:r>
-              <a:rPr lang="en-US" smtClean="0"/>
+              <a:rPr lang="en-US"/>
               <a:t>Click to edit Master title style</a:t>
             </a:r>
-            <a:endParaRPr lang="en-US"/>
           </a:p>
         </p:txBody>
       </p:sp>
@@ -1888,7 +1888,7 @@
           <a:p>
             <a:fld id="{5BCAD085-E8A6-8845-BD4E-CB4CCA059FC4}" type="datetimeFigureOut">
               <a:rPr lang="en-US" smtClean="0"/>
-              <a:t>1/27/13</a:t>
+              <a:t>8/30/2025</a:t>
             </a:fld>
             <a:endParaRPr lang="en-US"/>
           </a:p>
@@ -1930,7 +1930,7 @@
           <a:p>
             <a:fld id="{C1FF6DA9-008F-8B48-92A6-B652298478BF}" type="slidenum">
               <a:rPr lang="en-US" smtClean="0"/>
-              <a:t>‹#›</a:t>
+              <a:t>‹N°›</a:t>
             </a:fld>
             <a:endParaRPr lang="en-US"/>
           </a:p>
@@ -1983,7 +1983,7 @@
           <a:p>
             <a:fld id="{5BCAD085-E8A6-8845-BD4E-CB4CCA059FC4}" type="datetimeFigureOut">
               <a:rPr lang="en-US" smtClean="0"/>
-              <a:t>1/27/13</a:t>
+              <a:t>8/30/2025</a:t>
             </a:fld>
             <a:endParaRPr lang="en-US"/>
           </a:p>
@@ -2025,7 +2025,7 @@
           <a:p>
             <a:fld id="{C1FF6DA9-008F-8B48-92A6-B652298478BF}" type="slidenum">
               <a:rPr lang="en-US" smtClean="0"/>
-              <a:t>‹#›</a:t>
+              <a:t>‹N°›</a:t>
             </a:fld>
             <a:endParaRPr lang="en-US"/>
           </a:p>
@@ -2086,10 +2086,9 @@
           </a:lstStyle>
           <a:p>
             <a:r>
-              <a:rPr lang="en-US" smtClean="0"/>
+              <a:rPr lang="en-US"/>
               <a:t>Click to edit Master title style</a:t>
             </a:r>
-            <a:endParaRPr lang="en-US"/>
           </a:p>
         </p:txBody>
       </p:sp>
@@ -2143,38 +2142,37 @@
           <a:p>
             <a:pPr lvl="0"/>
             <a:r>
-              <a:rPr lang="en-US" smtClean="0"/>
+              <a:rPr lang="en-US"/>
               <a:t>Click to edit Master text styles</a:t>
             </a:r>
           </a:p>
           <a:p>
             <a:pPr lvl="1"/>
             <a:r>
-              <a:rPr lang="en-US" smtClean="0"/>
+              <a:rPr lang="en-US"/>
               <a:t>Second level</a:t>
             </a:r>
           </a:p>
           <a:p>
             <a:pPr lvl="2"/>
             <a:r>
-              <a:rPr lang="en-US" smtClean="0"/>
+              <a:rPr lang="en-US"/>
               <a:t>Third level</a:t>
             </a:r>
           </a:p>
           <a:p>
             <a:pPr lvl="3"/>
             <a:r>
-              <a:rPr lang="en-US" smtClean="0"/>
+              <a:rPr lang="en-US"/>
               <a:t>Fourth level</a:t>
             </a:r>
           </a:p>
           <a:p>
             <a:pPr lvl="4"/>
             <a:r>
-              <a:rPr lang="en-US" smtClean="0"/>
+              <a:rPr lang="en-US"/>
               <a:t>Fifth level</a:t>
             </a:r>
-            <a:endParaRPr lang="en-US"/>
           </a:p>
         </p:txBody>
       </p:sp>
@@ -2237,7 +2235,7 @@
           <a:p>
             <a:pPr lvl="0"/>
             <a:r>
-              <a:rPr lang="en-US" smtClean="0"/>
+              <a:rPr lang="en-US"/>
               <a:t>Click to edit Master text styles</a:t>
             </a:r>
           </a:p>
@@ -2260,7 +2258,7 @@
           <a:p>
             <a:fld id="{5BCAD085-E8A6-8845-BD4E-CB4CCA059FC4}" type="datetimeFigureOut">
               <a:rPr lang="en-US" smtClean="0"/>
-              <a:t>1/27/13</a:t>
+              <a:t>8/30/2025</a:t>
             </a:fld>
             <a:endParaRPr lang="en-US"/>
           </a:p>
@@ -2302,7 +2300,7 @@
           <a:p>
             <a:fld id="{C1FF6DA9-008F-8B48-92A6-B652298478BF}" type="slidenum">
               <a:rPr lang="en-US" smtClean="0"/>
-              <a:t>‹#›</a:t>
+              <a:t>‹N°›</a:t>
             </a:fld>
             <a:endParaRPr lang="en-US"/>
           </a:p>
@@ -2363,10 +2361,9 @@
           </a:lstStyle>
           <a:p>
             <a:r>
-              <a:rPr lang="en-US" smtClean="0"/>
+              <a:rPr lang="en-US"/>
               <a:t>Click to edit Master title style</a:t>
             </a:r>
-            <a:endParaRPr lang="en-US"/>
           </a:p>
         </p:txBody>
       </p:sp>
@@ -2490,7 +2487,7 @@
           <a:p>
             <a:pPr lvl="0"/>
             <a:r>
-              <a:rPr lang="en-US" smtClean="0"/>
+              <a:rPr lang="en-US"/>
               <a:t>Click to edit Master text styles</a:t>
             </a:r>
           </a:p>
@@ -2513,7 +2510,7 @@
           <a:p>
             <a:fld id="{5BCAD085-E8A6-8845-BD4E-CB4CCA059FC4}" type="datetimeFigureOut">
               <a:rPr lang="en-US" smtClean="0"/>
-              <a:t>1/27/13</a:t>
+              <a:t>8/30/2025</a:t>
             </a:fld>
             <a:endParaRPr lang="en-US"/>
           </a:p>
@@ -2555,7 +2552,7 @@
           <a:p>
             <a:fld id="{C1FF6DA9-008F-8B48-92A6-B652298478BF}" type="slidenum">
               <a:rPr lang="en-US" smtClean="0"/>
-              <a:t>‹#›</a:t>
+              <a:t>‹N°›</a:t>
             </a:fld>
             <a:endParaRPr lang="en-US"/>
           </a:p>
@@ -2622,10 +2619,9 @@
           <a:lstStyle/>
           <a:p>
             <a:r>
-              <a:rPr lang="en-US" smtClean="0"/>
+              <a:rPr lang="en-US"/>
               <a:t>Click to edit Master title style</a:t>
             </a:r>
-            <a:endParaRPr lang="en-US"/>
           </a:p>
         </p:txBody>
       </p:sp>
@@ -2656,38 +2652,37 @@
           <a:p>
             <a:pPr lvl="0"/>
             <a:r>
-              <a:rPr lang="en-US" smtClean="0"/>
+              <a:rPr lang="en-US"/>
               <a:t>Click to edit Master text styles</a:t>
             </a:r>
           </a:p>
           <a:p>
             <a:pPr lvl="1"/>
             <a:r>
-              <a:rPr lang="en-US" smtClean="0"/>
+              <a:rPr lang="en-US"/>
               <a:t>Second level</a:t>
             </a:r>
           </a:p>
           <a:p>
             <a:pPr lvl="2"/>
             <a:r>
-              <a:rPr lang="en-US" smtClean="0"/>
+              <a:rPr lang="en-US"/>
               <a:t>Third level</a:t>
             </a:r>
           </a:p>
           <a:p>
             <a:pPr lvl="3"/>
             <a:r>
-              <a:rPr lang="en-US" smtClean="0"/>
+              <a:rPr lang="en-US"/>
               <a:t>Fourth level</a:t>
             </a:r>
           </a:p>
           <a:p>
             <a:pPr lvl="4"/>
             <a:r>
-              <a:rPr lang="en-US" smtClean="0"/>
+              <a:rPr lang="en-US"/>
               <a:t>Fifth level</a:t>
             </a:r>
-            <a:endParaRPr lang="en-US"/>
           </a:p>
         </p:txBody>
       </p:sp>
@@ -2726,7 +2721,7 @@
           <a:p>
             <a:fld id="{5BCAD085-E8A6-8845-BD4E-CB4CCA059FC4}" type="datetimeFigureOut">
               <a:rPr lang="en-US" smtClean="0"/>
-              <a:t>1/27/13</a:t>
+              <a:t>8/30/2025</a:t>
             </a:fld>
             <a:endParaRPr lang="en-US"/>
           </a:p>
@@ -2804,7 +2799,7 @@
           <a:p>
             <a:fld id="{C1FF6DA9-008F-8B48-92A6-B652298478BF}" type="slidenum">
               <a:rPr lang="en-US" smtClean="0"/>
-              <a:t>‹#›</a:t>
+              <a:t>‹N°›</a:t>
             </a:fld>
             <a:endParaRPr lang="en-US"/>
           </a:p>
@@ -3085,7 +3080,7 @@
 </file>
 
 <file path=ppt/slides/slide1.xml><?xml version="1.0" encoding="utf-8"?>
-<p:sld xmlns:a="http://schemas.openxmlformats.org/drawingml/2006/main" xmlns:p="http://schemas.openxmlformats.org/presentationml/2006/main" xmlns:r="http://schemas.openxmlformats.org/officeDocument/2006/relationships">
+<p:sld xmlns:a="http://schemas.openxmlformats.org/drawingml/2006/main" xmlns:r="http://schemas.openxmlformats.org/officeDocument/2006/relationships" xmlns:p="http://schemas.openxmlformats.org/presentationml/2006/main">
   <p:cSld>
     <p:spTree>
       <p:nvGrpSpPr>
@@ -3093,7 +3088,14 @@
         <p:cNvGrpSpPr/>
         <p:nvPr/>
       </p:nvGrpSpPr>
-      <p:grpSpPr/>
+      <p:grpSpPr>
+        <a:xfrm>
+          <a:off x="0" y="0"/>
+          <a:ext cx="0" cy="0"/>
+          <a:chOff x="0" y="0"/>
+          <a:chExt cx="0" cy="0"/>
+        </a:xfrm>
+      </p:grpSpPr>
       <p:sp>
         <p:nvSpPr>
           <p:cNvPr id="2" name="Title 1"/>
@@ -3110,7 +3112,35 @@
           <a:lstStyle/>
           <a:p>
             <a:r>
-              <a:t>AST → CFG → Mermaid (exemple if/else)</a:t>
+              <a:rPr dirty="0"/>
+              <a:t>AST → CFG → Mermaid </a:t>
+            </a:r>
+            <a:br>
+              <a:rPr lang="fr-CH" dirty="0"/>
+            </a:br>
+            <a:r>
+              <a:rPr dirty="0"/>
+              <a:t>(</a:t>
+            </a:r>
+            <a:r>
+              <a:rPr dirty="0" err="1"/>
+              <a:t>exemple</a:t>
+            </a:r>
+            <a:r>
+              <a:rPr dirty="0"/>
+              <a:t> </a:t>
+            </a:r>
+            <a:r>
+              <a:rPr lang="fr-CH" dirty="0" err="1"/>
+              <a:t>minmal</a:t>
+            </a:r>
+            <a:r>
+              <a:rPr lang="fr-CH" dirty="0"/>
+              <a:t> </a:t>
+            </a:r>
+            <a:r>
+              <a:rPr dirty="0"/>
+              <a:t>if/else)</a:t>
             </a:r>
           </a:p>
         </p:txBody>
@@ -3145,7 +3175,7 @@
 </file>
 
 <file path=ppt/slides/slide2.xml><?xml version="1.0" encoding="utf-8"?>
-<p:sld xmlns:a="http://schemas.openxmlformats.org/drawingml/2006/main" xmlns:p="http://schemas.openxmlformats.org/presentationml/2006/main" xmlns:r="http://schemas.openxmlformats.org/officeDocument/2006/relationships">
+<p:sld xmlns:a="http://schemas.openxmlformats.org/drawingml/2006/main" xmlns:r="http://schemas.openxmlformats.org/officeDocument/2006/relationships" xmlns:p="http://schemas.openxmlformats.org/presentationml/2006/main">
   <p:cSld>
     <p:spTree>
       <p:nvGrpSpPr>
@@ -3153,7 +3183,14 @@
         <p:cNvGrpSpPr/>
         <p:nvPr/>
       </p:nvGrpSpPr>
-      <p:grpSpPr/>
+      <p:grpSpPr>
+        <a:xfrm>
+          <a:off x="0" y="0"/>
+          <a:ext cx="0" cy="0"/>
+          <a:chOff x="0" y="0"/>
+          <a:chExt cx="0" cy="0"/>
+        </a:xfrm>
+      </p:grpSpPr>
       <p:sp>
         <p:nvSpPr>
           <p:cNvPr id="2" name="Title 1"/>
@@ -3226,6 +3263,7 @@
               <a:t>print(y)</a:t>
             </a:r>
             <a:br/>
+            <a:endParaRPr/>
           </a:p>
         </p:txBody>
       </p:sp>
@@ -3238,7 +3276,7 @@
 </file>
 
 <file path=ppt/slides/slide3.xml><?xml version="1.0" encoding="utf-8"?>
-<p:sld xmlns:a="http://schemas.openxmlformats.org/drawingml/2006/main" xmlns:p="http://schemas.openxmlformats.org/presentationml/2006/main" xmlns:r="http://schemas.openxmlformats.org/officeDocument/2006/relationships">
+<p:sld xmlns:a="http://schemas.openxmlformats.org/drawingml/2006/main" xmlns:r="http://schemas.openxmlformats.org/officeDocument/2006/relationships" xmlns:p="http://schemas.openxmlformats.org/presentationml/2006/main">
   <p:cSld>
     <p:spTree>
       <p:nvGrpSpPr>
@@ -3246,7 +3284,14 @@
         <p:cNvGrpSpPr/>
         <p:nvPr/>
       </p:nvGrpSpPr>
-      <p:grpSpPr/>
+      <p:grpSpPr>
+        <a:xfrm>
+          <a:off x="0" y="0"/>
+          <a:ext cx="0" cy="0"/>
+          <a:chOff x="0" y="0"/>
+          <a:chExt cx="0" cy="0"/>
+        </a:xfrm>
+      </p:grpSpPr>
       <p:sp>
         <p:nvSpPr>
           <p:cNvPr id="2" name="Title 1"/>
@@ -3259,11 +3304,53 @@
         </p:nvSpPr>
         <p:spPr/>
         <p:txBody>
-          <a:bodyPr/>
-          <a:lstStyle/>
-          <a:p>
-            <a:r>
-              <a:t>AST — arbre pédagogique (texte lisible)</a:t>
+          <a:bodyPr>
+            <a:normAutofit fontScale="90000"/>
+          </a:bodyPr>
+          <a:lstStyle/>
+          <a:p>
+            <a:r>
+              <a:rPr dirty="0"/>
+              <a:t>AST — </a:t>
+            </a:r>
+            <a:r>
+              <a:rPr dirty="0" err="1"/>
+              <a:t>arbre</a:t>
+            </a:r>
+            <a:r>
+              <a:rPr dirty="0"/>
+              <a:t> </a:t>
+            </a:r>
+            <a:r>
+              <a:rPr dirty="0" err="1"/>
+              <a:t>pédagogique</a:t>
+            </a:r>
+            <a:r>
+              <a:rPr dirty="0"/>
+              <a:t> </a:t>
+            </a:r>
+            <a:br>
+              <a:rPr lang="fr-CH" dirty="0"/>
+            </a:br>
+            <a:r>
+              <a:rPr dirty="0"/>
+              <a:t>(</a:t>
+            </a:r>
+            <a:r>
+              <a:rPr dirty="0" err="1"/>
+              <a:t>texte</a:t>
+            </a:r>
+            <a:r>
+              <a:rPr dirty="0"/>
+              <a:t> </a:t>
+            </a:r>
+            <a:r>
+              <a:rPr dirty="0" err="1"/>
+              <a:t>lisible</a:t>
+            </a:r>
+            <a:r>
+              <a:rPr dirty="0"/>
+              <a:t>)</a:t>
             </a:r>
           </a:p>
         </p:txBody>
@@ -3276,8 +3363,8 @@
         </p:nvSpPr>
         <p:spPr>
           <a:xfrm>
-            <a:off x="457200" y="1188720"/>
-            <a:ext cx="11704320" cy="5029200"/>
+            <a:off x="457200" y="2305615"/>
+            <a:ext cx="8229600" cy="2246769"/>
           </a:xfrm>
           <a:prstGeom prst="rect">
             <a:avLst/>
@@ -3285,7 +3372,7 @@
           <a:noFill/>
         </p:spPr>
         <p:txBody>
-          <a:bodyPr wrap="none">
+          <a:bodyPr wrap="square">
             <a:spAutoFit/>
           </a:bodyPr>
           <a:lstStyle/>
@@ -3296,30 +3383,57 @@
               </a:defRPr>
             </a:pPr>
             <a:r>
+              <a:rPr dirty="0"/>
               <a:t>Module</a:t>
             </a:r>
-            <a:br/>
-            <a:r>
+            <a:br>
+              <a:rPr dirty="0"/>
+            </a:br>
+            <a:r>
+              <a:rPr dirty="0"/>
               <a:t>├─ Assign: Name('x', Store) := Constant(1)</a:t>
             </a:r>
-            <a:br/>
-            <a:r>
+            <a:br>
+              <a:rPr dirty="0"/>
+            </a:br>
+            <a:r>
+              <a:rPr dirty="0"/>
               <a:t>├─ If (test: Compare(Name('x', Load) &gt; Constant(0)))</a:t>
             </a:r>
-            <a:br/>
-            <a:r>
+            <a:br>
+              <a:rPr dirty="0"/>
+            </a:br>
+            <a:r>
+              <a:rPr dirty="0"/>
               <a:t>│  ├─ Assign: Name('y', Store) := Constant(1)</a:t>
             </a:r>
-            <a:br/>
-            <a:r>
+            <a:br>
+              <a:rPr dirty="0"/>
+            </a:br>
+            <a:r>
+              <a:rPr dirty="0"/>
               <a:t>│  ├─ else:</a:t>
             </a:r>
-            <a:br/>
-            <a:r>
-              <a:t>│  └─ Assign: Name('y', Store) := UnaryOp(-, Constant(1))</a:t>
-            </a:r>
-            <a:br/>
-            <a:r>
+            <a:br>
+              <a:rPr dirty="0"/>
+            </a:br>
+            <a:r>
+              <a:rPr dirty="0"/>
+              <a:t>│  └─ Assign: Name('y', Store) := </a:t>
+            </a:r>
+            <a:r>
+              <a:rPr dirty="0" err="1"/>
+              <a:t>UnaryOp</a:t>
+            </a:r>
+            <a:r>
+              <a:rPr dirty="0"/>
+              <a:t>(-, Constant(1))</a:t>
+            </a:r>
+            <a:br>
+              <a:rPr dirty="0"/>
+            </a:br>
+            <a:r>
+              <a:rPr dirty="0"/>
               <a:t>└─ Expr: Call(Name('print', Load), [Name('y', Load)])</a:t>
             </a:r>
           </a:p>
@@ -3334,7 +3448,7 @@
 </file>
 
 <file path=ppt/slides/slide4.xml><?xml version="1.0" encoding="utf-8"?>
-<p:sld xmlns:a="http://schemas.openxmlformats.org/drawingml/2006/main" xmlns:p="http://schemas.openxmlformats.org/presentationml/2006/main" xmlns:r="http://schemas.openxmlformats.org/officeDocument/2006/relationships">
+<p:sld xmlns:a="http://schemas.openxmlformats.org/drawingml/2006/main" xmlns:r="http://schemas.openxmlformats.org/officeDocument/2006/relationships" xmlns:p="http://schemas.openxmlformats.org/presentationml/2006/main">
   <p:cSld>
     <p:spTree>
       <p:nvGrpSpPr>
@@ -3342,7 +3456,14 @@
         <p:cNvGrpSpPr/>
         <p:nvPr/>
       </p:nvGrpSpPr>
-      <p:grpSpPr/>
+      <p:grpSpPr>
+        <a:xfrm>
+          <a:off x="0" y="0"/>
+          <a:ext cx="0" cy="0"/>
+          <a:chOff x="0" y="0"/>
+          <a:chExt cx="0" cy="0"/>
+        </a:xfrm>
+      </p:grpSpPr>
       <p:sp>
         <p:nvSpPr>
           <p:cNvPr id="2" name="Title 1"/>
@@ -3359,8 +3480,18 @@
           <a:lstStyle/>
           <a:p>
             <a:r>
-              <a:t>Visualisation AST</a:t>
-            </a:r>
+              <a:rPr lang="fr-CH" dirty="0"/>
+              <a:t>A</a:t>
+            </a:r>
+            <a:r>
+              <a:rPr dirty="0"/>
+              <a:t>ST</a:t>
+            </a:r>
+            <a:r>
+              <a:rPr lang="fr-CH" dirty="0"/>
+              <a:t> par GPT-5</a:t>
+            </a:r>
+            <a:endParaRPr dirty="0"/>
           </a:p>
         </p:txBody>
       </p:sp>
@@ -3380,8 +3511,8 @@
         </p:blipFill>
         <p:spPr>
           <a:xfrm>
-            <a:off x="457200" y="1097280"/>
-            <a:ext cx="9753600" cy="5486400"/>
+            <a:off x="0" y="1725283"/>
+            <a:ext cx="9124831" cy="5132717"/>
           </a:xfrm>
           <a:prstGeom prst="rect">
             <a:avLst/>
@@ -3397,7 +3528,7 @@
 </file>
 
 <file path=ppt/slides/slide5.xml><?xml version="1.0" encoding="utf-8"?>
-<p:sld xmlns:a="http://schemas.openxmlformats.org/drawingml/2006/main" xmlns:p="http://schemas.openxmlformats.org/presentationml/2006/main" xmlns:r="http://schemas.openxmlformats.org/officeDocument/2006/relationships">
+<p:sld xmlns:a="http://schemas.openxmlformats.org/drawingml/2006/main" xmlns:r="http://schemas.openxmlformats.org/officeDocument/2006/relationships" xmlns:p="http://schemas.openxmlformats.org/presentationml/2006/main">
   <p:cSld>
     <p:spTree>
       <p:nvGrpSpPr>
@@ -3405,7 +3536,14 @@
         <p:cNvGrpSpPr/>
         <p:nvPr/>
       </p:nvGrpSpPr>
-      <p:grpSpPr/>
+      <p:grpSpPr>
+        <a:xfrm>
+          <a:off x="0" y="0"/>
+          <a:ext cx="0" cy="0"/>
+          <a:chOff x="0" y="0"/>
+          <a:chExt cx="0" cy="0"/>
+        </a:xfrm>
+      </p:grpSpPr>
       <p:sp>
         <p:nvSpPr>
           <p:cNvPr id="2" name="Title 1"/>
@@ -3443,8 +3581,8 @@
         </p:blipFill>
         <p:spPr>
           <a:xfrm>
-            <a:off x="457200" y="1097280"/>
-            <a:ext cx="9753600" cy="5486400"/>
+            <a:off x="0" y="1638588"/>
+            <a:ext cx="9144000" cy="5143500"/>
           </a:xfrm>
           <a:prstGeom prst="rect">
             <a:avLst/>
@@ -3460,7 +3598,7 @@
 </file>
 
 <file path=ppt/slides/slide6.xml><?xml version="1.0" encoding="utf-8"?>
-<p:sld xmlns:a="http://schemas.openxmlformats.org/drawingml/2006/main" xmlns:p="http://schemas.openxmlformats.org/presentationml/2006/main" xmlns:r="http://schemas.openxmlformats.org/officeDocument/2006/relationships">
+<p:sld xmlns:a="http://schemas.openxmlformats.org/drawingml/2006/main" xmlns:r="http://schemas.openxmlformats.org/officeDocument/2006/relationships" xmlns:p="http://schemas.openxmlformats.org/presentationml/2006/main">
   <p:cSld>
     <p:spTree>
       <p:nvGrpSpPr>
@@ -3468,7 +3606,14 @@
         <p:cNvGrpSpPr/>
         <p:nvPr/>
       </p:nvGrpSpPr>
-      <p:grpSpPr/>
+      <p:grpSpPr>
+        <a:xfrm>
+          <a:off x="0" y="0"/>
+          <a:ext cx="0" cy="0"/>
+          <a:chOff x="0" y="0"/>
+          <a:chExt cx="0" cy="0"/>
+        </a:xfrm>
+      </p:grpSpPr>
       <p:sp>
         <p:nvSpPr>
           <p:cNvPr id="2" name="Title 1"/>
@@ -3572,7 +3717,7 @@
 </file>
 
 <file path=ppt/slides/slide7.xml><?xml version="1.0" encoding="utf-8"?>
-<p:sld xmlns:a="http://schemas.openxmlformats.org/drawingml/2006/main" xmlns:p="http://schemas.openxmlformats.org/presentationml/2006/main" xmlns:r="http://schemas.openxmlformats.org/officeDocument/2006/relationships">
+<p:sld xmlns:a="http://schemas.openxmlformats.org/drawingml/2006/main" xmlns:r="http://schemas.openxmlformats.org/officeDocument/2006/relationships" xmlns:p="http://schemas.openxmlformats.org/presentationml/2006/main">
   <p:cSld>
     <p:spTree>
       <p:nvGrpSpPr>
@@ -3580,7 +3725,14 @@
         <p:cNvGrpSpPr/>
         <p:nvPr/>
       </p:nvGrpSpPr>
-      <p:grpSpPr/>
+      <p:grpSpPr>
+        <a:xfrm>
+          <a:off x="0" y="0"/>
+          <a:ext cx="0" cy="0"/>
+          <a:chOff x="0" y="0"/>
+          <a:chExt cx="0" cy="0"/>
+        </a:xfrm>
+      </p:grpSpPr>
       <p:sp>
         <p:nvSpPr>
           <p:cNvPr id="2" name="Title 1"/>
@@ -3617,25 +3769,21 @@
           <a:bodyPr/>
           <a:lstStyle/>
           <a:p>
-            <a:pPr/>
             <a:r>
               <a:t>Python + ast : parsing standardisé et robuste ; Pyodide pour exécuter côté navigateur.</a:t>
             </a:r>
           </a:p>
           <a:p>
-            <a:pPr/>
             <a:r>
               <a:t>MyCFG (visiteur) : nœuds Process / Decision / Junction / IoOperation ; sous-graphes par portées.</a:t>
             </a:r>
           </a:p>
           <a:p>
-            <a:pPr/>
             <a:r>
               <a:t>PyCFG (FuzzingBook) : base utile mais trop bas niveau pour la pédagogie ; sortie Graphviz.</a:t>
             </a:r>
           </a:p>
           <a:p>
-            <a:pPr/>
             <a:r>
               <a:t>Sortie Mermaid : portable et immédiate dans l’exerciseur (web).</a:t>
             </a:r>
